--- a/notes/weicity.pptx
+++ b/notes/weicity.pptx
@@ -289,7 +289,8 @@
           <a:p>
             <a:fld id="{4D1E9A1C-B6D0-4B2D-8451-CC29EEFE05D7}" type="datetimeFigureOut">
               <a:rPr lang="zh-CN" altLang="en-US" smtClean="0"/>
-              <a:t>2012/4/10</a:t>
+              <a:pPr/>
+              <a:t>2012-4-11</a:t>
             </a:fld>
             <a:endParaRPr lang="zh-CN" altLang="en-US"/>
           </a:p>
@@ -331,6 +332,7 @@
           <a:p>
             <a:fld id="{FFF8FCC3-E791-49A1-9BFE-C99A024338E4}" type="slidenum">
               <a:rPr lang="zh-CN" altLang="en-US" smtClean="0"/>
+              <a:pPr/>
               <a:t>‹#›</a:t>
             </a:fld>
             <a:endParaRPr lang="zh-CN" altLang="en-US"/>
@@ -454,7 +456,8 @@
           <a:p>
             <a:fld id="{4D1E9A1C-B6D0-4B2D-8451-CC29EEFE05D7}" type="datetimeFigureOut">
               <a:rPr lang="zh-CN" altLang="en-US" smtClean="0"/>
-              <a:t>2012/4/10</a:t>
+              <a:pPr/>
+              <a:t>2012-4-11</a:t>
             </a:fld>
             <a:endParaRPr lang="zh-CN" altLang="en-US"/>
           </a:p>
@@ -496,6 +499,7 @@
           <a:p>
             <a:fld id="{FFF8FCC3-E791-49A1-9BFE-C99A024338E4}" type="slidenum">
               <a:rPr lang="zh-CN" altLang="en-US" smtClean="0"/>
+              <a:pPr/>
               <a:t>‹#›</a:t>
             </a:fld>
             <a:endParaRPr lang="zh-CN" altLang="en-US"/>
@@ -629,7 +633,8 @@
           <a:p>
             <a:fld id="{4D1E9A1C-B6D0-4B2D-8451-CC29EEFE05D7}" type="datetimeFigureOut">
               <a:rPr lang="zh-CN" altLang="en-US" smtClean="0"/>
-              <a:t>2012/4/10</a:t>
+              <a:pPr/>
+              <a:t>2012-4-11</a:t>
             </a:fld>
             <a:endParaRPr lang="zh-CN" altLang="en-US"/>
           </a:p>
@@ -671,6 +676,7 @@
           <a:p>
             <a:fld id="{FFF8FCC3-E791-49A1-9BFE-C99A024338E4}" type="slidenum">
               <a:rPr lang="zh-CN" altLang="en-US" smtClean="0"/>
+              <a:pPr/>
               <a:t>‹#›</a:t>
             </a:fld>
             <a:endParaRPr lang="zh-CN" altLang="en-US"/>
@@ -794,7 +800,8 @@
           <a:p>
             <a:fld id="{4D1E9A1C-B6D0-4B2D-8451-CC29EEFE05D7}" type="datetimeFigureOut">
               <a:rPr lang="zh-CN" altLang="en-US" smtClean="0"/>
-              <a:t>2012/4/10</a:t>
+              <a:pPr/>
+              <a:t>2012-4-11</a:t>
             </a:fld>
             <a:endParaRPr lang="zh-CN" altLang="en-US"/>
           </a:p>
@@ -836,6 +843,7 @@
           <a:p>
             <a:fld id="{FFF8FCC3-E791-49A1-9BFE-C99A024338E4}" type="slidenum">
               <a:rPr lang="zh-CN" altLang="en-US" smtClean="0"/>
+              <a:pPr/>
               <a:t>‹#›</a:t>
             </a:fld>
             <a:endParaRPr lang="zh-CN" altLang="en-US"/>
@@ -1035,7 +1043,8 @@
           <a:p>
             <a:fld id="{4D1E9A1C-B6D0-4B2D-8451-CC29EEFE05D7}" type="datetimeFigureOut">
               <a:rPr lang="zh-CN" altLang="en-US" smtClean="0"/>
-              <a:t>2012/4/10</a:t>
+              <a:pPr/>
+              <a:t>2012-4-11</a:t>
             </a:fld>
             <a:endParaRPr lang="zh-CN" altLang="en-US"/>
           </a:p>
@@ -1077,6 +1086,7 @@
           <a:p>
             <a:fld id="{FFF8FCC3-E791-49A1-9BFE-C99A024338E4}" type="slidenum">
               <a:rPr lang="zh-CN" altLang="en-US" smtClean="0"/>
+              <a:pPr/>
               <a:t>‹#›</a:t>
             </a:fld>
             <a:endParaRPr lang="zh-CN" altLang="en-US"/>
@@ -1318,7 +1328,8 @@
           <a:p>
             <a:fld id="{4D1E9A1C-B6D0-4B2D-8451-CC29EEFE05D7}" type="datetimeFigureOut">
               <a:rPr lang="zh-CN" altLang="en-US" smtClean="0"/>
-              <a:t>2012/4/10</a:t>
+              <a:pPr/>
+              <a:t>2012-4-11</a:t>
             </a:fld>
             <a:endParaRPr lang="zh-CN" altLang="en-US"/>
           </a:p>
@@ -1360,6 +1371,7 @@
           <a:p>
             <a:fld id="{FFF8FCC3-E791-49A1-9BFE-C99A024338E4}" type="slidenum">
               <a:rPr lang="zh-CN" altLang="en-US" smtClean="0"/>
+              <a:pPr/>
               <a:t>‹#›</a:t>
             </a:fld>
             <a:endParaRPr lang="zh-CN" altLang="en-US"/>
@@ -1735,7 +1747,8 @@
           <a:p>
             <a:fld id="{4D1E9A1C-B6D0-4B2D-8451-CC29EEFE05D7}" type="datetimeFigureOut">
               <a:rPr lang="zh-CN" altLang="en-US" smtClean="0"/>
-              <a:t>2012/4/10</a:t>
+              <a:pPr/>
+              <a:t>2012-4-11</a:t>
             </a:fld>
             <a:endParaRPr lang="zh-CN" altLang="en-US"/>
           </a:p>
@@ -1777,6 +1790,7 @@
           <a:p>
             <a:fld id="{FFF8FCC3-E791-49A1-9BFE-C99A024338E4}" type="slidenum">
               <a:rPr lang="zh-CN" altLang="en-US" smtClean="0"/>
+              <a:pPr/>
               <a:t>‹#›</a:t>
             </a:fld>
             <a:endParaRPr lang="zh-CN" altLang="en-US"/>
@@ -1848,7 +1862,8 @@
           <a:p>
             <a:fld id="{4D1E9A1C-B6D0-4B2D-8451-CC29EEFE05D7}" type="datetimeFigureOut">
               <a:rPr lang="zh-CN" altLang="en-US" smtClean="0"/>
-              <a:t>2012/4/10</a:t>
+              <a:pPr/>
+              <a:t>2012-4-11</a:t>
             </a:fld>
             <a:endParaRPr lang="zh-CN" altLang="en-US"/>
           </a:p>
@@ -1890,6 +1905,7 @@
           <a:p>
             <a:fld id="{FFF8FCC3-E791-49A1-9BFE-C99A024338E4}" type="slidenum">
               <a:rPr lang="zh-CN" altLang="en-US" smtClean="0"/>
+              <a:pPr/>
               <a:t>‹#›</a:t>
             </a:fld>
             <a:endParaRPr lang="zh-CN" altLang="en-US"/>
@@ -1938,7 +1954,8 @@
           <a:p>
             <a:fld id="{4D1E9A1C-B6D0-4B2D-8451-CC29EEFE05D7}" type="datetimeFigureOut">
               <a:rPr lang="zh-CN" altLang="en-US" smtClean="0"/>
-              <a:t>2012/4/10</a:t>
+              <a:pPr/>
+              <a:t>2012-4-11</a:t>
             </a:fld>
             <a:endParaRPr lang="zh-CN" altLang="en-US"/>
           </a:p>
@@ -1980,6 +1997,7 @@
           <a:p>
             <a:fld id="{FFF8FCC3-E791-49A1-9BFE-C99A024338E4}" type="slidenum">
               <a:rPr lang="zh-CN" altLang="en-US" smtClean="0"/>
+              <a:pPr/>
               <a:t>‹#›</a:t>
             </a:fld>
             <a:endParaRPr lang="zh-CN" altLang="en-US"/>
@@ -2210,7 +2228,8 @@
           <a:p>
             <a:fld id="{4D1E9A1C-B6D0-4B2D-8451-CC29EEFE05D7}" type="datetimeFigureOut">
               <a:rPr lang="zh-CN" altLang="en-US" smtClean="0"/>
-              <a:t>2012/4/10</a:t>
+              <a:pPr/>
+              <a:t>2012-4-11</a:t>
             </a:fld>
             <a:endParaRPr lang="zh-CN" altLang="en-US"/>
           </a:p>
@@ -2252,6 +2271,7 @@
           <a:p>
             <a:fld id="{FFF8FCC3-E791-49A1-9BFE-C99A024338E4}" type="slidenum">
               <a:rPr lang="zh-CN" altLang="en-US" smtClean="0"/>
+              <a:pPr/>
               <a:t>‹#›</a:t>
             </a:fld>
             <a:endParaRPr lang="zh-CN" altLang="en-US"/>
@@ -2458,7 +2478,8 @@
           <a:p>
             <a:fld id="{4D1E9A1C-B6D0-4B2D-8451-CC29EEFE05D7}" type="datetimeFigureOut">
               <a:rPr lang="zh-CN" altLang="en-US" smtClean="0"/>
-              <a:t>2012/4/10</a:t>
+              <a:pPr/>
+              <a:t>2012-4-11</a:t>
             </a:fld>
             <a:endParaRPr lang="zh-CN" altLang="en-US"/>
           </a:p>
@@ -2500,6 +2521,7 @@
           <a:p>
             <a:fld id="{FFF8FCC3-E791-49A1-9BFE-C99A024338E4}" type="slidenum">
               <a:rPr lang="zh-CN" altLang="en-US" smtClean="0"/>
+              <a:pPr/>
               <a:t>‹#›</a:t>
             </a:fld>
             <a:endParaRPr lang="zh-CN" altLang="en-US"/>
@@ -2666,7 +2688,8 @@
           <a:p>
             <a:fld id="{4D1E9A1C-B6D0-4B2D-8451-CC29EEFE05D7}" type="datetimeFigureOut">
               <a:rPr lang="zh-CN" altLang="en-US" smtClean="0"/>
-              <a:t>2012/4/10</a:t>
+              <a:pPr/>
+              <a:t>2012-4-11</a:t>
             </a:fld>
             <a:endParaRPr lang="zh-CN" altLang="en-US"/>
           </a:p>
@@ -2744,6 +2767,7 @@
           <a:p>
             <a:fld id="{FFF8FCC3-E791-49A1-9BFE-C99A024338E4}" type="slidenum">
               <a:rPr lang="zh-CN" altLang="en-US" smtClean="0"/>
+              <a:pPr/>
               <a:t>‹#›</a:t>
             </a:fld>
             <a:endParaRPr lang="zh-CN" altLang="en-US"/>
@@ -3970,7 +3994,11 @@
             <a:pPr algn="ctr"/>
             <a:r>
               <a:rPr lang="zh-CN" altLang="en-US" dirty="0" smtClean="0"/>
-              <a:t>好友帮助</a:t>
+              <a:t>好友</a:t>
+            </a:r>
+            <a:r>
+              <a:rPr lang="zh-CN" altLang="en-US" dirty="0" smtClean="0"/>
+              <a:t>系统</a:t>
             </a:r>
             <a:endParaRPr lang="zh-CN" altLang="en-US" dirty="0"/>
           </a:p>

--- a/notes/weicity.pptx
+++ b/notes/weicity.pptx
@@ -290,7 +290,7 @@
             <a:fld id="{4D1E9A1C-B6D0-4B2D-8451-CC29EEFE05D7}" type="datetimeFigureOut">
               <a:rPr lang="zh-CN" altLang="en-US" smtClean="0"/>
               <a:pPr/>
-              <a:t>2012-4-11</a:t>
+              <a:t>2012-4-13</a:t>
             </a:fld>
             <a:endParaRPr lang="zh-CN" altLang="en-US"/>
           </a:p>
@@ -457,7 +457,7 @@
             <a:fld id="{4D1E9A1C-B6D0-4B2D-8451-CC29EEFE05D7}" type="datetimeFigureOut">
               <a:rPr lang="zh-CN" altLang="en-US" smtClean="0"/>
               <a:pPr/>
-              <a:t>2012-4-11</a:t>
+              <a:t>2012-4-13</a:t>
             </a:fld>
             <a:endParaRPr lang="zh-CN" altLang="en-US"/>
           </a:p>
@@ -634,7 +634,7 @@
             <a:fld id="{4D1E9A1C-B6D0-4B2D-8451-CC29EEFE05D7}" type="datetimeFigureOut">
               <a:rPr lang="zh-CN" altLang="en-US" smtClean="0"/>
               <a:pPr/>
-              <a:t>2012-4-11</a:t>
+              <a:t>2012-4-13</a:t>
             </a:fld>
             <a:endParaRPr lang="zh-CN" altLang="en-US"/>
           </a:p>
@@ -801,7 +801,7 @@
             <a:fld id="{4D1E9A1C-B6D0-4B2D-8451-CC29EEFE05D7}" type="datetimeFigureOut">
               <a:rPr lang="zh-CN" altLang="en-US" smtClean="0"/>
               <a:pPr/>
-              <a:t>2012-4-11</a:t>
+              <a:t>2012-4-13</a:t>
             </a:fld>
             <a:endParaRPr lang="zh-CN" altLang="en-US"/>
           </a:p>
@@ -1044,7 +1044,7 @@
             <a:fld id="{4D1E9A1C-B6D0-4B2D-8451-CC29EEFE05D7}" type="datetimeFigureOut">
               <a:rPr lang="zh-CN" altLang="en-US" smtClean="0"/>
               <a:pPr/>
-              <a:t>2012-4-11</a:t>
+              <a:t>2012-4-13</a:t>
             </a:fld>
             <a:endParaRPr lang="zh-CN" altLang="en-US"/>
           </a:p>
@@ -1329,7 +1329,7 @@
             <a:fld id="{4D1E9A1C-B6D0-4B2D-8451-CC29EEFE05D7}" type="datetimeFigureOut">
               <a:rPr lang="zh-CN" altLang="en-US" smtClean="0"/>
               <a:pPr/>
-              <a:t>2012-4-11</a:t>
+              <a:t>2012-4-13</a:t>
             </a:fld>
             <a:endParaRPr lang="zh-CN" altLang="en-US"/>
           </a:p>
@@ -1748,7 +1748,7 @@
             <a:fld id="{4D1E9A1C-B6D0-4B2D-8451-CC29EEFE05D7}" type="datetimeFigureOut">
               <a:rPr lang="zh-CN" altLang="en-US" smtClean="0"/>
               <a:pPr/>
-              <a:t>2012-4-11</a:t>
+              <a:t>2012-4-13</a:t>
             </a:fld>
             <a:endParaRPr lang="zh-CN" altLang="en-US"/>
           </a:p>
@@ -1863,7 +1863,7 @@
             <a:fld id="{4D1E9A1C-B6D0-4B2D-8451-CC29EEFE05D7}" type="datetimeFigureOut">
               <a:rPr lang="zh-CN" altLang="en-US" smtClean="0"/>
               <a:pPr/>
-              <a:t>2012-4-11</a:t>
+              <a:t>2012-4-13</a:t>
             </a:fld>
             <a:endParaRPr lang="zh-CN" altLang="en-US"/>
           </a:p>
@@ -1955,7 +1955,7 @@
             <a:fld id="{4D1E9A1C-B6D0-4B2D-8451-CC29EEFE05D7}" type="datetimeFigureOut">
               <a:rPr lang="zh-CN" altLang="en-US" smtClean="0"/>
               <a:pPr/>
-              <a:t>2012-4-11</a:t>
+              <a:t>2012-4-13</a:t>
             </a:fld>
             <a:endParaRPr lang="zh-CN" altLang="en-US"/>
           </a:p>
@@ -2229,7 +2229,7 @@
             <a:fld id="{4D1E9A1C-B6D0-4B2D-8451-CC29EEFE05D7}" type="datetimeFigureOut">
               <a:rPr lang="zh-CN" altLang="en-US" smtClean="0"/>
               <a:pPr/>
-              <a:t>2012-4-11</a:t>
+              <a:t>2012-4-13</a:t>
             </a:fld>
             <a:endParaRPr lang="zh-CN" altLang="en-US"/>
           </a:p>
@@ -2479,7 +2479,7 @@
             <a:fld id="{4D1E9A1C-B6D0-4B2D-8451-CC29EEFE05D7}" type="datetimeFigureOut">
               <a:rPr lang="zh-CN" altLang="en-US" smtClean="0"/>
               <a:pPr/>
-              <a:t>2012-4-11</a:t>
+              <a:t>2012-4-13</a:t>
             </a:fld>
             <a:endParaRPr lang="zh-CN" altLang="en-US"/>
           </a:p>
@@ -2689,7 +2689,7 @@
             <a:fld id="{4D1E9A1C-B6D0-4B2D-8451-CC29EEFE05D7}" type="datetimeFigureOut">
               <a:rPr lang="zh-CN" altLang="en-US" smtClean="0"/>
               <a:pPr/>
-              <a:t>2012-4-11</a:t>
+              <a:t>2012-4-13</a:t>
             </a:fld>
             <a:endParaRPr lang="zh-CN" altLang="en-US"/>
           </a:p>
@@ -3920,7 +3920,7 @@
         </p:nvSpPr>
         <p:spPr>
           <a:xfrm>
-            <a:off x="3786182" y="3714752"/>
+            <a:off x="4786314" y="3429000"/>
             <a:ext cx="1571636" cy="642942"/>
           </a:xfrm>
           <a:prstGeom prst="roundRect">
@@ -3964,7 +3964,7 @@
         </p:nvSpPr>
         <p:spPr>
           <a:xfrm>
-            <a:off x="1142976" y="4071942"/>
+            <a:off x="4857752" y="4714884"/>
             <a:ext cx="1571636" cy="642942"/>
           </a:xfrm>
           <a:prstGeom prst="roundRect">
@@ -3994,11 +3994,7 @@
             <a:pPr algn="ctr"/>
             <a:r>
               <a:rPr lang="zh-CN" altLang="en-US" dirty="0" smtClean="0"/>
-              <a:t>好友</a:t>
-            </a:r>
-            <a:r>
-              <a:rPr lang="zh-CN" altLang="en-US" dirty="0" smtClean="0"/>
-              <a:t>系统</a:t>
+              <a:t>好友系统</a:t>
             </a:r>
             <a:endParaRPr lang="zh-CN" altLang="en-US" dirty="0"/>
           </a:p>
@@ -4012,7 +4008,7 @@
         </p:nvSpPr>
         <p:spPr>
           <a:xfrm>
-            <a:off x="3786182" y="2500306"/>
+            <a:off x="4786314" y="2214554"/>
             <a:ext cx="1571636" cy="642942"/>
           </a:xfrm>
           <a:prstGeom prst="roundRect">
@@ -4050,13 +4046,57 @@
       </p:sp>
       <p:sp>
         <p:nvSpPr>
-          <p:cNvPr id="8" name="圆角矩形 7"/>
+          <p:cNvPr id="9" name="圆角矩形 8"/>
           <p:cNvSpPr/>
           <p:nvPr/>
         </p:nvSpPr>
         <p:spPr>
           <a:xfrm>
-            <a:off x="1142976" y="2143116"/>
+            <a:off x="785786" y="3000372"/>
+            <a:ext cx="1214446" cy="428628"/>
+          </a:xfrm>
+          <a:prstGeom prst="roundRect">
+            <a:avLst/>
+          </a:prstGeom>
+        </p:spPr>
+        <p:style>
+          <a:lnRef idx="2">
+            <a:schemeClr val="accent2">
+              <a:shade val="50000"/>
+            </a:schemeClr>
+          </a:lnRef>
+          <a:fillRef idx="1">
+            <a:schemeClr val="accent2"/>
+          </a:fillRef>
+          <a:effectRef idx="0">
+            <a:schemeClr val="accent2"/>
+          </a:effectRef>
+          <a:fontRef idx="minor">
+            <a:schemeClr val="lt1"/>
+          </a:fontRef>
+        </p:style>
+        <p:txBody>
+          <a:bodyPr rtlCol="0" anchor="ctr"/>
+          <a:lstStyle/>
+          <a:p>
+            <a:pPr algn="ctr"/>
+            <a:r>
+              <a:rPr lang="zh-CN" altLang="en-US" dirty="0" smtClean="0"/>
+              <a:t>生产系统</a:t>
+            </a:r>
+            <a:endParaRPr lang="zh-CN" altLang="en-US" dirty="0"/>
+          </a:p>
+        </p:txBody>
+      </p:sp>
+      <p:sp>
+        <p:nvSpPr>
+          <p:cNvPr id="10" name="圆角矩形 9"/>
+          <p:cNvSpPr/>
+          <p:nvPr/>
+        </p:nvSpPr>
+        <p:spPr>
+          <a:xfrm>
+            <a:off x="7358082" y="3429000"/>
             <a:ext cx="1571636" cy="642942"/>
           </a:xfrm>
           <a:prstGeom prst="roundRect">
@@ -4086,7 +4126,11 @@
             <a:pPr algn="ctr"/>
             <a:r>
               <a:rPr lang="zh-CN" altLang="en-US" dirty="0" smtClean="0"/>
-              <a:t>经济系统</a:t>
+              <a:t>商</a:t>
+            </a:r>
+            <a:r>
+              <a:rPr lang="zh-CN" altLang="en-US" dirty="0" smtClean="0"/>
+              <a:t>店</a:t>
             </a:r>
             <a:endParaRPr lang="zh-CN" altLang="en-US" dirty="0"/>
           </a:p>
@@ -4094,13 +4138,13 @@
       </p:sp>
       <p:sp>
         <p:nvSpPr>
-          <p:cNvPr id="9" name="圆角矩形 8"/>
+          <p:cNvPr id="11" name="圆角矩形 10"/>
           <p:cNvSpPr/>
           <p:nvPr/>
         </p:nvSpPr>
         <p:spPr>
           <a:xfrm>
-            <a:off x="1142976" y="3071810"/>
+            <a:off x="7358082" y="2285992"/>
             <a:ext cx="1571636" cy="642942"/>
           </a:xfrm>
           <a:prstGeom prst="roundRect">
@@ -4130,7 +4174,7 @@
             <a:pPr algn="ctr"/>
             <a:r>
               <a:rPr lang="zh-CN" altLang="en-US" dirty="0" smtClean="0"/>
-              <a:t>生产系统</a:t>
+              <a:t>背包</a:t>
             </a:r>
             <a:endParaRPr lang="zh-CN" altLang="en-US" dirty="0"/>
           </a:p>
@@ -4138,18 +4182,22 @@
       </p:sp>
       <p:sp>
         <p:nvSpPr>
-          <p:cNvPr id="10" name="圆角矩形 9"/>
+          <p:cNvPr id="18" name="圆角矩形 17"/>
           <p:cNvSpPr/>
           <p:nvPr/>
         </p:nvSpPr>
         <p:spPr>
           <a:xfrm>
-            <a:off x="6357950" y="3071810"/>
-            <a:ext cx="1571636" cy="642942"/>
+            <a:off x="500034" y="1857364"/>
+            <a:ext cx="3643338" cy="1928826"/>
           </a:xfrm>
           <a:prstGeom prst="roundRect">
             <a:avLst/>
           </a:prstGeom>
+          <a:noFill/>
+          <a:ln>
+            <a:prstDash val="dash"/>
+          </a:ln>
         </p:spPr>
         <p:style>
           <a:lnRef idx="2">
@@ -4172,24 +4220,20 @@
           <a:lstStyle/>
           <a:p>
             <a:pPr algn="ctr"/>
-            <a:r>
-              <a:rPr lang="zh-CN" altLang="en-US" dirty="0" smtClean="0"/>
-              <a:t>商城</a:t>
-            </a:r>
-            <a:endParaRPr lang="zh-CN" altLang="en-US" dirty="0"/>
-          </a:p>
-        </p:txBody>
-      </p:sp>
-      <p:sp>
-        <p:nvSpPr>
-          <p:cNvPr id="11" name="圆角矩形 10"/>
+            <a:endParaRPr lang="zh-CN" altLang="en-US"/>
+          </a:p>
+        </p:txBody>
+      </p:sp>
+      <p:sp>
+        <p:nvSpPr>
+          <p:cNvPr id="20" name="圆角矩形 19"/>
           <p:cNvSpPr/>
           <p:nvPr/>
         </p:nvSpPr>
         <p:spPr>
           <a:xfrm>
-            <a:off x="6357950" y="4071942"/>
-            <a:ext cx="1571636" cy="642942"/>
+            <a:off x="785786" y="4929198"/>
+            <a:ext cx="1214446" cy="500066"/>
           </a:xfrm>
           <a:prstGeom prst="roundRect">
             <a:avLst/>
@@ -4218,7 +4262,11 @@
             <a:pPr algn="ctr"/>
             <a:r>
               <a:rPr lang="zh-CN" altLang="en-US" dirty="0" smtClean="0"/>
-              <a:t>背包</a:t>
+              <a:t>活动</a:t>
+            </a:r>
+            <a:r>
+              <a:rPr lang="en-US" altLang="zh-CN" dirty="0" smtClean="0"/>
+              <a:t>1</a:t>
             </a:r>
             <a:endParaRPr lang="zh-CN" altLang="en-US" dirty="0"/>
           </a:p>
@@ -4226,16 +4274,262 @@
       </p:sp>
       <p:sp>
         <p:nvSpPr>
-          <p:cNvPr id="12" name="上下箭头 11"/>
+          <p:cNvPr id="21" name="圆角矩形 20"/>
           <p:cNvSpPr/>
           <p:nvPr/>
         </p:nvSpPr>
         <p:spPr>
           <a:xfrm>
-            <a:off x="4429124" y="3214686"/>
-            <a:ext cx="214314" cy="428628"/>
+            <a:off x="2357422" y="2571744"/>
+            <a:ext cx="1571636" cy="642942"/>
+          </a:xfrm>
+          <a:prstGeom prst="roundRect">
+            <a:avLst/>
+          </a:prstGeom>
+        </p:spPr>
+        <p:style>
+          <a:lnRef idx="2">
+            <a:schemeClr val="accent1">
+              <a:shade val="50000"/>
+            </a:schemeClr>
+          </a:lnRef>
+          <a:fillRef idx="1">
+            <a:schemeClr val="accent1"/>
+          </a:fillRef>
+          <a:effectRef idx="0">
+            <a:schemeClr val="accent1"/>
+          </a:effectRef>
+          <a:fontRef idx="minor">
+            <a:schemeClr val="lt1"/>
+          </a:fontRef>
+        </p:style>
+        <p:txBody>
+          <a:bodyPr rtlCol="0" anchor="ctr"/>
+          <a:lstStyle/>
+          <a:p>
+            <a:pPr algn="ctr"/>
+            <a:r>
+              <a:rPr lang="zh-CN" altLang="en-US" dirty="0" smtClean="0"/>
+              <a:t>城市生态</a:t>
+            </a:r>
+            <a:endParaRPr lang="zh-CN" altLang="en-US" dirty="0"/>
+          </a:p>
+        </p:txBody>
+      </p:sp>
+      <p:sp>
+        <p:nvSpPr>
+          <p:cNvPr id="13" name="圆角矩形 12"/>
+          <p:cNvSpPr/>
+          <p:nvPr/>
+        </p:nvSpPr>
+        <p:spPr>
+          <a:xfrm>
+            <a:off x="4429124" y="1857364"/>
+            <a:ext cx="2214578" cy="2571768"/>
+          </a:xfrm>
+          <a:prstGeom prst="roundRect">
+            <a:avLst/>
+          </a:prstGeom>
+          <a:noFill/>
+          <a:ln>
+            <a:prstDash val="dash"/>
+          </a:ln>
+        </p:spPr>
+        <p:style>
+          <a:lnRef idx="2">
+            <a:schemeClr val="accent1">
+              <a:shade val="50000"/>
+            </a:schemeClr>
+          </a:lnRef>
+          <a:fillRef idx="1">
+            <a:schemeClr val="accent1"/>
+          </a:fillRef>
+          <a:effectRef idx="0">
+            <a:schemeClr val="accent1"/>
+          </a:effectRef>
+          <a:fontRef idx="minor">
+            <a:schemeClr val="lt1"/>
+          </a:fontRef>
+        </p:style>
+        <p:txBody>
+          <a:bodyPr rtlCol="0" anchor="ctr"/>
+          <a:lstStyle/>
+          <a:p>
+            <a:pPr algn="ctr"/>
+            <a:endParaRPr lang="zh-CN" altLang="en-US"/>
+          </a:p>
+        </p:txBody>
+      </p:sp>
+      <p:sp>
+        <p:nvSpPr>
+          <p:cNvPr id="14" name="上下箭头 13"/>
+          <p:cNvSpPr/>
+          <p:nvPr/>
+        </p:nvSpPr>
+        <p:spPr>
+          <a:xfrm>
+            <a:off x="5500694" y="2928934"/>
+            <a:ext cx="142876" cy="357190"/>
           </a:xfrm>
           <a:prstGeom prst="upDownArrow">
+            <a:avLst/>
+          </a:prstGeom>
+        </p:spPr>
+        <p:style>
+          <a:lnRef idx="1">
+            <a:schemeClr val="accent2"/>
+          </a:lnRef>
+          <a:fillRef idx="3">
+            <a:schemeClr val="accent2"/>
+          </a:fillRef>
+          <a:effectRef idx="2">
+            <a:schemeClr val="accent2"/>
+          </a:effectRef>
+          <a:fontRef idx="minor">
+            <a:schemeClr val="lt1"/>
+          </a:fontRef>
+        </p:style>
+        <p:txBody>
+          <a:bodyPr rtlCol="0" anchor="ctr"/>
+          <a:lstStyle/>
+          <a:p>
+            <a:pPr algn="ctr"/>
+            <a:endParaRPr lang="zh-CN" altLang="en-US"/>
+          </a:p>
+        </p:txBody>
+      </p:sp>
+      <p:sp>
+        <p:nvSpPr>
+          <p:cNvPr id="16" name="缺角矩形 15"/>
+          <p:cNvSpPr/>
+          <p:nvPr/>
+        </p:nvSpPr>
+        <p:spPr>
+          <a:xfrm>
+            <a:off x="714348" y="4286256"/>
+            <a:ext cx="785818" cy="357190"/>
+          </a:xfrm>
+          <a:prstGeom prst="plaque">
+            <a:avLst/>
+          </a:prstGeom>
+        </p:spPr>
+        <p:style>
+          <a:lnRef idx="2">
+            <a:schemeClr val="accent6">
+              <a:shade val="50000"/>
+            </a:schemeClr>
+          </a:lnRef>
+          <a:fillRef idx="1">
+            <a:schemeClr val="accent6"/>
+          </a:fillRef>
+          <a:effectRef idx="0">
+            <a:schemeClr val="accent6"/>
+          </a:effectRef>
+          <a:fontRef idx="minor">
+            <a:schemeClr val="lt1"/>
+          </a:fontRef>
+        </p:style>
+        <p:txBody>
+          <a:bodyPr rtlCol="0" anchor="ctr"/>
+          <a:lstStyle/>
+          <a:p>
+            <a:pPr algn="ctr"/>
+            <a:endParaRPr lang="zh-CN" altLang="en-US"/>
+          </a:p>
+        </p:txBody>
+      </p:sp>
+      <p:sp>
+        <p:nvSpPr>
+          <p:cNvPr id="17" name="缺角矩形 16"/>
+          <p:cNvSpPr/>
+          <p:nvPr/>
+        </p:nvSpPr>
+        <p:spPr>
+          <a:xfrm>
+            <a:off x="1785918" y="4286256"/>
+            <a:ext cx="785818" cy="357190"/>
+          </a:xfrm>
+          <a:prstGeom prst="plaque">
+            <a:avLst/>
+          </a:prstGeom>
+        </p:spPr>
+        <p:style>
+          <a:lnRef idx="2">
+            <a:schemeClr val="accent6">
+              <a:shade val="50000"/>
+            </a:schemeClr>
+          </a:lnRef>
+          <a:fillRef idx="1">
+            <a:schemeClr val="accent6"/>
+          </a:fillRef>
+          <a:effectRef idx="0">
+            <a:schemeClr val="accent6"/>
+          </a:effectRef>
+          <a:fontRef idx="minor">
+            <a:schemeClr val="lt1"/>
+          </a:fontRef>
+        </p:style>
+        <p:txBody>
+          <a:bodyPr rtlCol="0" anchor="ctr"/>
+          <a:lstStyle/>
+          <a:p>
+            <a:pPr algn="ctr"/>
+            <a:endParaRPr lang="zh-CN" altLang="en-US"/>
+          </a:p>
+        </p:txBody>
+      </p:sp>
+      <p:sp>
+        <p:nvSpPr>
+          <p:cNvPr id="19" name="缺角矩形 18"/>
+          <p:cNvSpPr/>
+          <p:nvPr/>
+        </p:nvSpPr>
+        <p:spPr>
+          <a:xfrm>
+            <a:off x="2857488" y="4286256"/>
+            <a:ext cx="785818" cy="357190"/>
+          </a:xfrm>
+          <a:prstGeom prst="plaque">
+            <a:avLst/>
+          </a:prstGeom>
+        </p:spPr>
+        <p:style>
+          <a:lnRef idx="2">
+            <a:schemeClr val="accent6">
+              <a:shade val="50000"/>
+            </a:schemeClr>
+          </a:lnRef>
+          <a:fillRef idx="1">
+            <a:schemeClr val="accent6"/>
+          </a:fillRef>
+          <a:effectRef idx="0">
+            <a:schemeClr val="accent6"/>
+          </a:effectRef>
+          <a:fontRef idx="minor">
+            <a:schemeClr val="lt1"/>
+          </a:fontRef>
+        </p:style>
+        <p:txBody>
+          <a:bodyPr rtlCol="0" anchor="ctr"/>
+          <a:lstStyle/>
+          <a:p>
+            <a:pPr algn="ctr"/>
+            <a:endParaRPr lang="zh-CN" altLang="en-US"/>
+          </a:p>
+        </p:txBody>
+      </p:sp>
+      <p:sp>
+        <p:nvSpPr>
+          <p:cNvPr id="25" name="圆角矩形 24"/>
+          <p:cNvSpPr/>
+          <p:nvPr/>
+        </p:nvSpPr>
+        <p:spPr>
+          <a:xfrm>
+            <a:off x="785786" y="2214554"/>
+            <a:ext cx="1214446" cy="428628"/>
+          </a:xfrm>
+          <a:prstGeom prst="roundRect">
             <a:avLst/>
           </a:prstGeom>
         </p:spPr>
@@ -4260,228 +4554,28 @@
           <a:lstStyle/>
           <a:p>
             <a:pPr algn="ctr"/>
-            <a:endParaRPr lang="zh-CN" altLang="en-US"/>
-          </a:p>
-        </p:txBody>
-      </p:sp>
-      <p:sp>
-        <p:nvSpPr>
-          <p:cNvPr id="13" name="右箭头 12"/>
+            <a:r>
+              <a:rPr lang="zh-CN" altLang="en-US" dirty="0" smtClean="0"/>
+              <a:t>经济系统</a:t>
+            </a:r>
+            <a:endParaRPr lang="zh-CN" altLang="en-US" dirty="0"/>
+          </a:p>
+        </p:txBody>
+      </p:sp>
+      <p:sp>
+        <p:nvSpPr>
+          <p:cNvPr id="26" name="圆角矩形 25"/>
           <p:cNvSpPr/>
           <p:nvPr/>
         </p:nvSpPr>
         <p:spPr>
           <a:xfrm>
-            <a:off x="5962363" y="3339220"/>
-            <a:ext cx="285752" cy="214314"/>
-          </a:xfrm>
-          <a:prstGeom prst="rightArrow">
-            <a:avLst/>
-          </a:prstGeom>
-        </p:spPr>
-        <p:style>
-          <a:lnRef idx="2">
-            <a:schemeClr val="accent2">
-              <a:shade val="50000"/>
-            </a:schemeClr>
-          </a:lnRef>
-          <a:fillRef idx="1">
-            <a:schemeClr val="accent2"/>
-          </a:fillRef>
-          <a:effectRef idx="0">
-            <a:schemeClr val="accent2"/>
-          </a:effectRef>
-          <a:fontRef idx="minor">
-            <a:schemeClr val="lt1"/>
-          </a:fontRef>
-        </p:style>
-        <p:txBody>
-          <a:bodyPr rtlCol="0" anchor="ctr"/>
-          <a:lstStyle/>
-          <a:p>
-            <a:pPr algn="ctr"/>
-            <a:endParaRPr lang="zh-CN" altLang="en-US"/>
-          </a:p>
-        </p:txBody>
-      </p:sp>
-      <p:sp>
-        <p:nvSpPr>
-          <p:cNvPr id="14" name="右箭头 13"/>
-          <p:cNvSpPr/>
-          <p:nvPr/>
-        </p:nvSpPr>
-        <p:spPr>
-          <a:xfrm rot="2843758">
-            <a:off x="5678482" y="4014480"/>
-            <a:ext cx="714380" cy="214314"/>
-          </a:xfrm>
-          <a:prstGeom prst="rightArrow">
-            <a:avLst/>
-          </a:prstGeom>
-        </p:spPr>
-        <p:style>
-          <a:lnRef idx="2">
-            <a:schemeClr val="accent2">
-              <a:shade val="50000"/>
-            </a:schemeClr>
-          </a:lnRef>
-          <a:fillRef idx="1">
-            <a:schemeClr val="accent2"/>
-          </a:fillRef>
-          <a:effectRef idx="0">
-            <a:schemeClr val="accent2"/>
-          </a:effectRef>
-          <a:fontRef idx="minor">
-            <a:schemeClr val="lt1"/>
-          </a:fontRef>
-        </p:style>
-        <p:txBody>
-          <a:bodyPr rtlCol="0" anchor="ctr"/>
-          <a:lstStyle/>
-          <a:p>
-            <a:pPr algn="ctr"/>
-            <a:endParaRPr lang="zh-CN" altLang="en-US"/>
-          </a:p>
-        </p:txBody>
-      </p:sp>
-      <p:sp>
-        <p:nvSpPr>
-          <p:cNvPr id="15" name="上下箭头 14"/>
-          <p:cNvSpPr/>
-          <p:nvPr/>
-        </p:nvSpPr>
-        <p:spPr>
-          <a:xfrm rot="-3240000">
-            <a:off x="3001954" y="2454482"/>
-            <a:ext cx="214314" cy="642942"/>
-          </a:xfrm>
-          <a:prstGeom prst="upDownArrow">
-            <a:avLst/>
-          </a:prstGeom>
-        </p:spPr>
-        <p:style>
-          <a:lnRef idx="2">
-            <a:schemeClr val="accent2">
-              <a:shade val="50000"/>
-            </a:schemeClr>
-          </a:lnRef>
-          <a:fillRef idx="1">
-            <a:schemeClr val="accent2"/>
-          </a:fillRef>
-          <a:effectRef idx="0">
-            <a:schemeClr val="accent2"/>
-          </a:effectRef>
-          <a:fontRef idx="minor">
-            <a:schemeClr val="lt1"/>
-          </a:fontRef>
-        </p:style>
-        <p:txBody>
-          <a:bodyPr rtlCol="0" anchor="ctr"/>
-          <a:lstStyle/>
-          <a:p>
-            <a:pPr algn="ctr"/>
-            <a:endParaRPr lang="zh-CN" altLang="en-US"/>
-          </a:p>
-        </p:txBody>
-      </p:sp>
-      <p:sp>
-        <p:nvSpPr>
-          <p:cNvPr id="16" name="左右箭头 15"/>
-          <p:cNvSpPr/>
-          <p:nvPr/>
-        </p:nvSpPr>
-        <p:spPr>
-          <a:xfrm>
-            <a:off x="2857488" y="3286124"/>
-            <a:ext cx="428628" cy="214314"/>
-          </a:xfrm>
-          <a:prstGeom prst="leftRightArrow">
-            <a:avLst/>
-          </a:prstGeom>
-        </p:spPr>
-        <p:style>
-          <a:lnRef idx="2">
-            <a:schemeClr val="accent2">
-              <a:shade val="50000"/>
-            </a:schemeClr>
-          </a:lnRef>
-          <a:fillRef idx="1">
-            <a:schemeClr val="accent2"/>
-          </a:fillRef>
-          <a:effectRef idx="0">
-            <a:schemeClr val="accent2"/>
-          </a:effectRef>
-          <a:fontRef idx="minor">
-            <a:schemeClr val="lt1"/>
-          </a:fontRef>
-        </p:style>
-        <p:txBody>
-          <a:bodyPr rtlCol="0" anchor="ctr"/>
-          <a:lstStyle/>
-          <a:p>
-            <a:pPr algn="ctr"/>
-            <a:endParaRPr lang="zh-CN" altLang="en-US"/>
-          </a:p>
-        </p:txBody>
-      </p:sp>
-      <p:sp>
-        <p:nvSpPr>
-          <p:cNvPr id="17" name="右箭头 16"/>
-          <p:cNvSpPr/>
-          <p:nvPr/>
-        </p:nvSpPr>
-        <p:spPr>
-          <a:xfrm rot="19194064">
-            <a:off x="2771108" y="3991070"/>
-            <a:ext cx="714380" cy="214314"/>
-          </a:xfrm>
-          <a:prstGeom prst="rightArrow">
-            <a:avLst/>
-          </a:prstGeom>
-        </p:spPr>
-        <p:style>
-          <a:lnRef idx="2">
-            <a:schemeClr val="accent2">
-              <a:shade val="50000"/>
-            </a:schemeClr>
-          </a:lnRef>
-          <a:fillRef idx="1">
-            <a:schemeClr val="accent2"/>
-          </a:fillRef>
-          <a:effectRef idx="0">
-            <a:schemeClr val="accent2"/>
-          </a:effectRef>
-          <a:fontRef idx="minor">
-            <a:schemeClr val="lt1"/>
-          </a:fontRef>
-        </p:style>
-        <p:txBody>
-          <a:bodyPr rtlCol="0" anchor="ctr"/>
-          <a:lstStyle/>
-          <a:p>
-            <a:pPr algn="ctr"/>
-            <a:endParaRPr lang="zh-CN" altLang="en-US"/>
-          </a:p>
-        </p:txBody>
-      </p:sp>
-      <p:sp>
-        <p:nvSpPr>
-          <p:cNvPr id="18" name="圆角矩形 17"/>
-          <p:cNvSpPr/>
-          <p:nvPr/>
-        </p:nvSpPr>
-        <p:spPr>
-          <a:xfrm>
-            <a:off x="3571868" y="1714488"/>
-            <a:ext cx="2071702" cy="3286148"/>
+            <a:off x="2285984" y="4929198"/>
+            <a:ext cx="1214446" cy="500066"/>
           </a:xfrm>
           <a:prstGeom prst="roundRect">
             <a:avLst/>
           </a:prstGeom>
-          <a:noFill/>
-          <a:ln>
-            <a:prstDash val="dash"/>
-          </a:ln>
         </p:spPr>
         <p:style>
           <a:lnRef idx="2">
@@ -4504,40 +4598,44 @@
           <a:lstStyle/>
           <a:p>
             <a:pPr algn="ctr"/>
-            <a:endParaRPr lang="zh-CN" altLang="en-US"/>
-          </a:p>
-        </p:txBody>
-      </p:sp>
-      <p:sp>
-        <p:nvSpPr>
-          <p:cNvPr id="19" name="圆角矩形 18"/>
+            <a:r>
+              <a:rPr lang="zh-CN" altLang="en-US" dirty="0" smtClean="0"/>
+              <a:t>活动</a:t>
+            </a:r>
+            <a:r>
+              <a:rPr lang="en-US" altLang="zh-CN" dirty="0" smtClean="0"/>
+              <a:t>2</a:t>
+            </a:r>
+            <a:endParaRPr lang="zh-CN" altLang="en-US" dirty="0"/>
+          </a:p>
+        </p:txBody>
+      </p:sp>
+      <p:sp>
+        <p:nvSpPr>
+          <p:cNvPr id="29" name="缺角矩形 28"/>
           <p:cNvSpPr/>
           <p:nvPr/>
         </p:nvSpPr>
         <p:spPr>
           <a:xfrm>
-            <a:off x="785786" y="1428736"/>
-            <a:ext cx="7786742" cy="4143404"/>
-          </a:xfrm>
-          <a:prstGeom prst="roundRect">
+            <a:off x="6786578" y="3000372"/>
+            <a:ext cx="571504" cy="357190"/>
+          </a:xfrm>
+          <a:prstGeom prst="plaque">
             <a:avLst/>
           </a:prstGeom>
-          <a:noFill/>
-          <a:ln>
-            <a:prstDash val="dash"/>
-          </a:ln>
         </p:spPr>
         <p:style>
           <a:lnRef idx="2">
-            <a:schemeClr val="accent1">
+            <a:schemeClr val="accent6">
               <a:shade val="50000"/>
             </a:schemeClr>
           </a:lnRef>
           <a:fillRef idx="1">
-            <a:schemeClr val="accent1"/>
+            <a:schemeClr val="accent6"/>
           </a:fillRef>
           <a:effectRef idx="0">
-            <a:schemeClr val="accent1"/>
+            <a:schemeClr val="accent6"/>
           </a:effectRef>
           <a:fontRef idx="minor">
             <a:schemeClr val="lt1"/>
@@ -4554,30 +4652,28 @@
       </p:sp>
       <p:sp>
         <p:nvSpPr>
-          <p:cNvPr id="20" name="圆角矩形 19"/>
+          <p:cNvPr id="31" name="上下箭头 30"/>
           <p:cNvSpPr/>
           <p:nvPr/>
         </p:nvSpPr>
         <p:spPr>
           <a:xfrm>
-            <a:off x="6357950" y="2000240"/>
-            <a:ext cx="1571636" cy="642942"/>
-          </a:xfrm>
-          <a:prstGeom prst="roundRect">
+            <a:off x="2071670" y="3857628"/>
+            <a:ext cx="142876" cy="357190"/>
+          </a:xfrm>
+          <a:prstGeom prst="upDownArrow">
             <a:avLst/>
           </a:prstGeom>
         </p:spPr>
         <p:style>
-          <a:lnRef idx="2">
-            <a:schemeClr val="accent1">
-              <a:shade val="50000"/>
-            </a:schemeClr>
+          <a:lnRef idx="1">
+            <a:schemeClr val="accent2"/>
           </a:lnRef>
-          <a:fillRef idx="1">
-            <a:schemeClr val="accent1"/>
+          <a:fillRef idx="3">
+            <a:schemeClr val="accent2"/>
           </a:fillRef>
-          <a:effectRef idx="0">
-            <a:schemeClr val="accent1"/>
+          <a:effectRef idx="2">
+            <a:schemeClr val="accent2"/>
           </a:effectRef>
           <a:fontRef idx="minor">
             <a:schemeClr val="lt1"/>
@@ -4588,15 +4684,83 @@
           <a:lstStyle/>
           <a:p>
             <a:pPr algn="ctr"/>
-            <a:r>
-              <a:rPr lang="zh-CN" altLang="en-US" dirty="0" smtClean="0"/>
-              <a:t>活动</a:t>
-            </a:r>
-            <a:r>
-              <a:rPr lang="en-US" altLang="zh-CN" dirty="0" smtClean="0"/>
-              <a:t>s</a:t>
-            </a:r>
-            <a:endParaRPr lang="zh-CN" altLang="en-US" dirty="0"/>
+            <a:endParaRPr lang="zh-CN" altLang="en-US"/>
+          </a:p>
+        </p:txBody>
+      </p:sp>
+      <p:sp>
+        <p:nvSpPr>
+          <p:cNvPr id="32" name="下箭头 31"/>
+          <p:cNvSpPr/>
+          <p:nvPr/>
+        </p:nvSpPr>
+        <p:spPr>
+          <a:xfrm>
+            <a:off x="1000100" y="3929066"/>
+            <a:ext cx="142876" cy="285752"/>
+          </a:xfrm>
+          <a:prstGeom prst="downArrow">
+            <a:avLst/>
+          </a:prstGeom>
+        </p:spPr>
+        <p:style>
+          <a:lnRef idx="1">
+            <a:schemeClr val="accent2"/>
+          </a:lnRef>
+          <a:fillRef idx="3">
+            <a:schemeClr val="accent2"/>
+          </a:fillRef>
+          <a:effectRef idx="2">
+            <a:schemeClr val="accent2"/>
+          </a:effectRef>
+          <a:fontRef idx="minor">
+            <a:schemeClr val="lt1"/>
+          </a:fontRef>
+        </p:style>
+        <p:txBody>
+          <a:bodyPr rtlCol="0" anchor="ctr"/>
+          <a:lstStyle/>
+          <a:p>
+            <a:pPr algn="ctr"/>
+            <a:endParaRPr lang="zh-CN" altLang="en-US"/>
+          </a:p>
+        </p:txBody>
+      </p:sp>
+      <p:sp>
+        <p:nvSpPr>
+          <p:cNvPr id="33" name="上箭头 32"/>
+          <p:cNvSpPr/>
+          <p:nvPr/>
+        </p:nvSpPr>
+        <p:spPr>
+          <a:xfrm>
+            <a:off x="3143240" y="3929066"/>
+            <a:ext cx="142876" cy="285752"/>
+          </a:xfrm>
+          <a:prstGeom prst="upArrow">
+            <a:avLst/>
+          </a:prstGeom>
+        </p:spPr>
+        <p:style>
+          <a:lnRef idx="1">
+            <a:schemeClr val="accent2"/>
+          </a:lnRef>
+          <a:fillRef idx="3">
+            <a:schemeClr val="accent2"/>
+          </a:fillRef>
+          <a:effectRef idx="2">
+            <a:schemeClr val="accent2"/>
+          </a:effectRef>
+          <a:fontRef idx="minor">
+            <a:schemeClr val="lt1"/>
+          </a:fontRef>
+        </p:style>
+        <p:txBody>
+          <a:bodyPr rtlCol="0" anchor="ctr"/>
+          <a:lstStyle/>
+          <a:p>
+            <a:pPr algn="ctr"/>
+            <a:endParaRPr lang="zh-CN" altLang="en-US"/>
           </a:p>
         </p:txBody>
       </p:sp>

--- a/notes/weicity.pptx
+++ b/notes/weicity.pptx
@@ -290,7 +290,7 @@
             <a:fld id="{4D1E9A1C-B6D0-4B2D-8451-CC29EEFE05D7}" type="datetimeFigureOut">
               <a:rPr lang="zh-CN" altLang="en-US" smtClean="0"/>
               <a:pPr/>
-              <a:t>2012-4-13</a:t>
+              <a:t>2012/4/15</a:t>
             </a:fld>
             <a:endParaRPr lang="zh-CN" altLang="en-US"/>
           </a:p>
@@ -457,7 +457,7 @@
             <a:fld id="{4D1E9A1C-B6D0-4B2D-8451-CC29EEFE05D7}" type="datetimeFigureOut">
               <a:rPr lang="zh-CN" altLang="en-US" smtClean="0"/>
               <a:pPr/>
-              <a:t>2012-4-13</a:t>
+              <a:t>2012/4/15</a:t>
             </a:fld>
             <a:endParaRPr lang="zh-CN" altLang="en-US"/>
           </a:p>
@@ -634,7 +634,7 @@
             <a:fld id="{4D1E9A1C-B6D0-4B2D-8451-CC29EEFE05D7}" type="datetimeFigureOut">
               <a:rPr lang="zh-CN" altLang="en-US" smtClean="0"/>
               <a:pPr/>
-              <a:t>2012-4-13</a:t>
+              <a:t>2012/4/15</a:t>
             </a:fld>
             <a:endParaRPr lang="zh-CN" altLang="en-US"/>
           </a:p>
@@ -801,7 +801,7 @@
             <a:fld id="{4D1E9A1C-B6D0-4B2D-8451-CC29EEFE05D7}" type="datetimeFigureOut">
               <a:rPr lang="zh-CN" altLang="en-US" smtClean="0"/>
               <a:pPr/>
-              <a:t>2012-4-13</a:t>
+              <a:t>2012/4/15</a:t>
             </a:fld>
             <a:endParaRPr lang="zh-CN" altLang="en-US"/>
           </a:p>
@@ -1044,7 +1044,7 @@
             <a:fld id="{4D1E9A1C-B6D0-4B2D-8451-CC29EEFE05D7}" type="datetimeFigureOut">
               <a:rPr lang="zh-CN" altLang="en-US" smtClean="0"/>
               <a:pPr/>
-              <a:t>2012-4-13</a:t>
+              <a:t>2012/4/15</a:t>
             </a:fld>
             <a:endParaRPr lang="zh-CN" altLang="en-US"/>
           </a:p>
@@ -1329,7 +1329,7 @@
             <a:fld id="{4D1E9A1C-B6D0-4B2D-8451-CC29EEFE05D7}" type="datetimeFigureOut">
               <a:rPr lang="zh-CN" altLang="en-US" smtClean="0"/>
               <a:pPr/>
-              <a:t>2012-4-13</a:t>
+              <a:t>2012/4/15</a:t>
             </a:fld>
             <a:endParaRPr lang="zh-CN" altLang="en-US"/>
           </a:p>
@@ -1748,7 +1748,7 @@
             <a:fld id="{4D1E9A1C-B6D0-4B2D-8451-CC29EEFE05D7}" type="datetimeFigureOut">
               <a:rPr lang="zh-CN" altLang="en-US" smtClean="0"/>
               <a:pPr/>
-              <a:t>2012-4-13</a:t>
+              <a:t>2012/4/15</a:t>
             </a:fld>
             <a:endParaRPr lang="zh-CN" altLang="en-US"/>
           </a:p>
@@ -1863,7 +1863,7 @@
             <a:fld id="{4D1E9A1C-B6D0-4B2D-8451-CC29EEFE05D7}" type="datetimeFigureOut">
               <a:rPr lang="zh-CN" altLang="en-US" smtClean="0"/>
               <a:pPr/>
-              <a:t>2012-4-13</a:t>
+              <a:t>2012/4/15</a:t>
             </a:fld>
             <a:endParaRPr lang="zh-CN" altLang="en-US"/>
           </a:p>
@@ -1955,7 +1955,7 @@
             <a:fld id="{4D1E9A1C-B6D0-4B2D-8451-CC29EEFE05D7}" type="datetimeFigureOut">
               <a:rPr lang="zh-CN" altLang="en-US" smtClean="0"/>
               <a:pPr/>
-              <a:t>2012-4-13</a:t>
+              <a:t>2012/4/15</a:t>
             </a:fld>
             <a:endParaRPr lang="zh-CN" altLang="en-US"/>
           </a:p>
@@ -2229,7 +2229,7 @@
             <a:fld id="{4D1E9A1C-B6D0-4B2D-8451-CC29EEFE05D7}" type="datetimeFigureOut">
               <a:rPr lang="zh-CN" altLang="en-US" smtClean="0"/>
               <a:pPr/>
-              <a:t>2012-4-13</a:t>
+              <a:t>2012/4/15</a:t>
             </a:fld>
             <a:endParaRPr lang="zh-CN" altLang="en-US"/>
           </a:p>
@@ -2479,7 +2479,7 @@
             <a:fld id="{4D1E9A1C-B6D0-4B2D-8451-CC29EEFE05D7}" type="datetimeFigureOut">
               <a:rPr lang="zh-CN" altLang="en-US" smtClean="0"/>
               <a:pPr/>
-              <a:t>2012-4-13</a:t>
+              <a:t>2012/4/15</a:t>
             </a:fld>
             <a:endParaRPr lang="zh-CN" altLang="en-US"/>
           </a:p>
@@ -2689,7 +2689,7 @@
             <a:fld id="{4D1E9A1C-B6D0-4B2D-8451-CC29EEFE05D7}" type="datetimeFigureOut">
               <a:rPr lang="zh-CN" altLang="en-US" smtClean="0"/>
               <a:pPr/>
-              <a:t>2012-4-13</a:t>
+              <a:t>2012/4/15</a:t>
             </a:fld>
             <a:endParaRPr lang="zh-CN" altLang="en-US"/>
           </a:p>
@@ -3876,13 +3876,95 @@
       </p:grpSpPr>
       <p:sp>
         <p:nvSpPr>
+          <p:cNvPr id="18" name="圆角矩形 17"/>
+          <p:cNvSpPr/>
+          <p:nvPr/>
+        </p:nvSpPr>
+        <p:spPr>
+          <a:xfrm>
+            <a:off x="805008" y="2218609"/>
+            <a:ext cx="3643338" cy="1928826"/>
+          </a:xfrm>
+          <a:prstGeom prst="roundRect">
+            <a:avLst/>
+          </a:prstGeom>
+          <a:ln/>
+        </p:spPr>
+        <p:style>
+          <a:lnRef idx="1">
+            <a:schemeClr val="accent2"/>
+          </a:lnRef>
+          <a:fillRef idx="2">
+            <a:schemeClr val="accent2"/>
+          </a:fillRef>
+          <a:effectRef idx="1">
+            <a:schemeClr val="accent2"/>
+          </a:effectRef>
+          <a:fontRef idx="minor">
+            <a:schemeClr val="dk1"/>
+          </a:fontRef>
+        </p:style>
+        <p:txBody>
+          <a:bodyPr rtlCol="0" anchor="ctr"/>
+          <a:lstStyle/>
+          <a:p>
+            <a:pPr algn="ctr"/>
+            <a:endParaRPr lang="zh-CN" altLang="en-US">
+              <a:solidFill>
+                <a:schemeClr val="dk1"/>
+              </a:solidFill>
+            </a:endParaRPr>
+          </a:p>
+        </p:txBody>
+      </p:sp>
+      <p:sp>
+        <p:nvSpPr>
+          <p:cNvPr id="13" name="圆角矩形 12"/>
+          <p:cNvSpPr/>
+          <p:nvPr/>
+        </p:nvSpPr>
+        <p:spPr>
+          <a:xfrm>
+            <a:off x="936979" y="4786488"/>
+            <a:ext cx="5192888" cy="1369843"/>
+          </a:xfrm>
+          <a:prstGeom prst="roundRect">
+            <a:avLst/>
+          </a:prstGeom>
+          <a:ln/>
+        </p:spPr>
+        <p:style>
+          <a:lnRef idx="1">
+            <a:schemeClr val="accent2"/>
+          </a:lnRef>
+          <a:fillRef idx="2">
+            <a:schemeClr val="accent2"/>
+          </a:fillRef>
+          <a:effectRef idx="1">
+            <a:schemeClr val="accent2"/>
+          </a:effectRef>
+          <a:fontRef idx="minor">
+            <a:schemeClr val="dk1"/>
+          </a:fontRef>
+        </p:style>
+        <p:txBody>
+          <a:bodyPr rtlCol="0" anchor="ctr"/>
+          <a:lstStyle/>
+          <a:p>
+            <a:pPr algn="ctr"/>
+            <a:endParaRPr lang="zh-CN" altLang="en-US"/>
+          </a:p>
+        </p:txBody>
+      </p:sp>
+      <p:sp>
+        <p:nvSpPr>
           <p:cNvPr id="4" name="TextBox 3"/>
           <p:cNvSpPr txBox="1"/>
           <p:nvPr/>
         </p:nvSpPr>
         <p:spPr>
           <a:xfrm>
-            <a:off x="500034" y="500042"/>
+            <a:off x="341523" y="296841"/>
             <a:ext cx="2522998" cy="369332"/>
           </a:xfrm>
           <a:prstGeom prst="rect">
@@ -3920,7 +4002,7 @@
         </p:nvSpPr>
         <p:spPr>
           <a:xfrm>
-            <a:off x="4786314" y="3429000"/>
+            <a:off x="4233158" y="5133621"/>
             <a:ext cx="1571636" cy="642942"/>
           </a:xfrm>
           <a:prstGeom prst="roundRect">
@@ -3928,16 +4010,14 @@
           </a:prstGeom>
         </p:spPr>
         <p:style>
-          <a:lnRef idx="2">
-            <a:schemeClr val="accent1">
-              <a:shade val="50000"/>
-            </a:schemeClr>
+          <a:lnRef idx="0">
+            <a:schemeClr val="accent6"/>
           </a:lnRef>
-          <a:fillRef idx="1">
-            <a:schemeClr val="accent1"/>
+          <a:fillRef idx="3">
+            <a:schemeClr val="accent6"/>
           </a:fillRef>
-          <a:effectRef idx="0">
-            <a:schemeClr val="accent1"/>
+          <a:effectRef idx="3">
+            <a:schemeClr val="accent6"/>
           </a:effectRef>
           <a:fontRef idx="minor">
             <a:schemeClr val="lt1"/>
@@ -3949,10 +4029,13 @@
           <a:p>
             <a:pPr algn="ctr"/>
             <a:r>
-              <a:rPr lang="zh-CN" altLang="en-US" dirty="0" smtClean="0"/>
+              <a:rPr lang="zh-CN" altLang="en-US" dirty="0" smtClean="0">
+                <a:solidFill>
+                  <a:schemeClr val="lt1"/>
+                </a:solidFill>
+              </a:rPr>
               <a:t>任务系统</a:t>
             </a:r>
-            <a:endParaRPr lang="zh-CN" altLang="en-US" dirty="0"/>
           </a:p>
         </p:txBody>
       </p:sp>
@@ -3964,7 +4047,7 @@
         </p:nvSpPr>
         <p:spPr>
           <a:xfrm>
-            <a:off x="4857752" y="4714884"/>
+            <a:off x="6755159" y="5144736"/>
             <a:ext cx="1571636" cy="642942"/>
           </a:xfrm>
           <a:prstGeom prst="roundRect">
@@ -3972,16 +4055,14 @@
           </a:prstGeom>
         </p:spPr>
         <p:style>
-          <a:lnRef idx="2">
-            <a:schemeClr val="accent1">
-              <a:shade val="50000"/>
-            </a:schemeClr>
+          <a:lnRef idx="0">
+            <a:schemeClr val="accent6"/>
           </a:lnRef>
-          <a:fillRef idx="1">
-            <a:schemeClr val="accent1"/>
+          <a:fillRef idx="3">
+            <a:schemeClr val="accent6"/>
           </a:fillRef>
-          <a:effectRef idx="0">
-            <a:schemeClr val="accent1"/>
+          <a:effectRef idx="3">
+            <a:schemeClr val="accent6"/>
           </a:effectRef>
           <a:fontRef idx="minor">
             <a:schemeClr val="lt1"/>
@@ -3993,10 +4074,13 @@
           <a:p>
             <a:pPr algn="ctr"/>
             <a:r>
-              <a:rPr lang="zh-CN" altLang="en-US" dirty="0" smtClean="0"/>
+              <a:rPr lang="zh-CN" altLang="en-US" dirty="0" smtClean="0">
+                <a:solidFill>
+                  <a:schemeClr val="lt1"/>
+                </a:solidFill>
+              </a:rPr>
               <a:t>好友系统</a:t>
             </a:r>
-            <a:endParaRPr lang="zh-CN" altLang="en-US" dirty="0"/>
           </a:p>
         </p:txBody>
       </p:sp>
@@ -4008,7 +4092,7 @@
         </p:nvSpPr>
         <p:spPr>
           <a:xfrm>
-            <a:off x="4786314" y="2214554"/>
+            <a:off x="1320627" y="5149663"/>
             <a:ext cx="1571636" cy="642942"/>
           </a:xfrm>
           <a:prstGeom prst="roundRect">
@@ -4016,16 +4100,14 @@
           </a:prstGeom>
         </p:spPr>
         <p:style>
-          <a:lnRef idx="2">
-            <a:schemeClr val="accent1">
-              <a:shade val="50000"/>
-            </a:schemeClr>
+          <a:lnRef idx="0">
+            <a:schemeClr val="accent6"/>
           </a:lnRef>
-          <a:fillRef idx="1">
-            <a:schemeClr val="accent1"/>
+          <a:fillRef idx="3">
+            <a:schemeClr val="accent6"/>
           </a:fillRef>
-          <a:effectRef idx="0">
-            <a:schemeClr val="accent1"/>
+          <a:effectRef idx="3">
+            <a:schemeClr val="accent6"/>
           </a:effectRef>
           <a:fontRef idx="minor">
             <a:schemeClr val="lt1"/>
@@ -4037,10 +4119,13 @@
           <a:p>
             <a:pPr algn="ctr"/>
             <a:r>
-              <a:rPr lang="zh-CN" altLang="en-US" dirty="0" smtClean="0"/>
+              <a:rPr lang="zh-CN" altLang="en-US" dirty="0" smtClean="0">
+                <a:solidFill>
+                  <a:schemeClr val="lt1"/>
+                </a:solidFill>
+              </a:rPr>
               <a:t>成长模块</a:t>
             </a:r>
-            <a:endParaRPr lang="zh-CN" altLang="en-US" dirty="0"/>
           </a:p>
         </p:txBody>
       </p:sp>
@@ -4052,7 +4137,7 @@
         </p:nvSpPr>
         <p:spPr>
           <a:xfrm>
-            <a:off x="785786" y="3000372"/>
+            <a:off x="1090760" y="3361617"/>
             <a:ext cx="1214446" cy="428628"/>
           </a:xfrm>
           <a:prstGeom prst="roundRect">
@@ -4060,16 +4145,14 @@
           </a:prstGeom>
         </p:spPr>
         <p:style>
-          <a:lnRef idx="2">
-            <a:schemeClr val="accent2">
-              <a:shade val="50000"/>
-            </a:schemeClr>
+          <a:lnRef idx="1">
+            <a:schemeClr val="accent3"/>
           </a:lnRef>
-          <a:fillRef idx="1">
-            <a:schemeClr val="accent2"/>
+          <a:fillRef idx="3">
+            <a:schemeClr val="accent3"/>
           </a:fillRef>
-          <a:effectRef idx="0">
-            <a:schemeClr val="accent2"/>
+          <a:effectRef idx="2">
+            <a:schemeClr val="accent3"/>
           </a:effectRef>
           <a:fontRef idx="minor">
             <a:schemeClr val="lt1"/>
@@ -4096,7 +4179,7 @@
         </p:nvSpPr>
         <p:spPr>
           <a:xfrm>
-            <a:off x="7358082" y="3429000"/>
+            <a:off x="5088809" y="3248904"/>
             <a:ext cx="1571636" cy="642942"/>
           </a:xfrm>
           <a:prstGeom prst="roundRect">
@@ -4104,16 +4187,14 @@
           </a:prstGeom>
         </p:spPr>
         <p:style>
-          <a:lnRef idx="2">
-            <a:schemeClr val="accent1">
-              <a:shade val="50000"/>
-            </a:schemeClr>
+          <a:lnRef idx="0">
+            <a:schemeClr val="accent6"/>
           </a:lnRef>
-          <a:fillRef idx="1">
-            <a:schemeClr val="accent1"/>
+          <a:fillRef idx="3">
+            <a:schemeClr val="accent6"/>
           </a:fillRef>
-          <a:effectRef idx="0">
-            <a:schemeClr val="accent1"/>
+          <a:effectRef idx="3">
+            <a:schemeClr val="accent6"/>
           </a:effectRef>
           <a:fontRef idx="minor">
             <a:schemeClr val="lt1"/>
@@ -4125,14 +4206,13 @@
           <a:p>
             <a:pPr algn="ctr"/>
             <a:r>
-              <a:rPr lang="zh-CN" altLang="en-US" dirty="0" smtClean="0"/>
-              <a:t>商</a:t>
-            </a:r>
-            <a:r>
-              <a:rPr lang="zh-CN" altLang="en-US" dirty="0" smtClean="0"/>
-              <a:t>店</a:t>
-            </a:r>
-            <a:endParaRPr lang="zh-CN" altLang="en-US" dirty="0"/>
+              <a:rPr lang="zh-CN" altLang="en-US" dirty="0" smtClean="0">
+                <a:solidFill>
+                  <a:schemeClr val="lt1"/>
+                </a:solidFill>
+              </a:rPr>
+              <a:t>商店</a:t>
+            </a:r>
           </a:p>
         </p:txBody>
       </p:sp>
@@ -4144,7 +4224,7 @@
         </p:nvSpPr>
         <p:spPr>
           <a:xfrm>
-            <a:off x="7358082" y="2285992"/>
+            <a:off x="5066233" y="2320209"/>
             <a:ext cx="1571636" cy="642942"/>
           </a:xfrm>
           <a:prstGeom prst="roundRect">
@@ -4152,16 +4232,14 @@
           </a:prstGeom>
         </p:spPr>
         <p:style>
-          <a:lnRef idx="2">
-            <a:schemeClr val="accent1">
-              <a:shade val="50000"/>
-            </a:schemeClr>
+          <a:lnRef idx="0">
+            <a:schemeClr val="accent6"/>
           </a:lnRef>
-          <a:fillRef idx="1">
-            <a:schemeClr val="accent1"/>
+          <a:fillRef idx="3">
+            <a:schemeClr val="accent6"/>
           </a:fillRef>
-          <a:effectRef idx="0">
-            <a:schemeClr val="accent1"/>
+          <a:effectRef idx="3">
+            <a:schemeClr val="accent6"/>
           </a:effectRef>
           <a:fontRef idx="minor">
             <a:schemeClr val="lt1"/>
@@ -4173,43 +4251,40 @@
           <a:p>
             <a:pPr algn="ctr"/>
             <a:r>
-              <a:rPr lang="zh-CN" altLang="en-US" dirty="0" smtClean="0"/>
+              <a:rPr lang="zh-CN" altLang="en-US" dirty="0" smtClean="0">
+                <a:solidFill>
+                  <a:schemeClr val="lt1"/>
+                </a:solidFill>
+              </a:rPr>
               <a:t>背包</a:t>
             </a:r>
-            <a:endParaRPr lang="zh-CN" altLang="en-US" dirty="0"/>
-          </a:p>
-        </p:txBody>
-      </p:sp>
-      <p:sp>
-        <p:nvSpPr>
-          <p:cNvPr id="18" name="圆角矩形 17"/>
+          </a:p>
+        </p:txBody>
+      </p:sp>
+      <p:sp>
+        <p:nvSpPr>
+          <p:cNvPr id="20" name="圆角矩形 19"/>
           <p:cNvSpPr/>
           <p:nvPr/>
         </p:nvSpPr>
         <p:spPr>
           <a:xfrm>
-            <a:off x="500034" y="1857364"/>
-            <a:ext cx="3643338" cy="1928826"/>
+            <a:off x="1175269" y="1045822"/>
+            <a:ext cx="1214446" cy="500066"/>
           </a:xfrm>
           <a:prstGeom prst="roundRect">
             <a:avLst/>
           </a:prstGeom>
-          <a:noFill/>
-          <a:ln>
-            <a:prstDash val="dash"/>
-          </a:ln>
         </p:spPr>
         <p:style>
-          <a:lnRef idx="2">
-            <a:schemeClr val="accent1">
-              <a:shade val="50000"/>
-            </a:schemeClr>
+          <a:lnRef idx="0">
+            <a:schemeClr val="accent6"/>
           </a:lnRef>
-          <a:fillRef idx="1">
-            <a:schemeClr val="accent1"/>
+          <a:fillRef idx="3">
+            <a:schemeClr val="accent6"/>
           </a:fillRef>
-          <a:effectRef idx="0">
-            <a:schemeClr val="accent1"/>
+          <a:effectRef idx="3">
+            <a:schemeClr val="accent6"/>
           </a:effectRef>
           <a:fontRef idx="minor">
             <a:schemeClr val="lt1"/>
@@ -4220,36 +4295,54 @@
           <a:lstStyle/>
           <a:p>
             <a:pPr algn="ctr"/>
-            <a:endParaRPr lang="zh-CN" altLang="en-US"/>
-          </a:p>
-        </p:txBody>
-      </p:sp>
-      <p:sp>
-        <p:nvSpPr>
-          <p:cNvPr id="20" name="圆角矩形 19"/>
+            <a:r>
+              <a:rPr lang="zh-CN" altLang="en-US" dirty="0" smtClean="0">
+                <a:solidFill>
+                  <a:schemeClr val="lt1"/>
+                </a:solidFill>
+              </a:rPr>
+              <a:t>活动</a:t>
+            </a:r>
+            <a:r>
+              <a:rPr lang="en-US" altLang="zh-CN" dirty="0" smtClean="0">
+                <a:solidFill>
+                  <a:schemeClr val="lt1"/>
+                </a:solidFill>
+              </a:rPr>
+              <a:t>1</a:t>
+            </a:r>
+            <a:endParaRPr lang="zh-CN" altLang="en-US" dirty="0" smtClean="0">
+              <a:solidFill>
+                <a:schemeClr val="lt1"/>
+              </a:solidFill>
+            </a:endParaRPr>
+          </a:p>
+        </p:txBody>
+      </p:sp>
+      <p:sp>
+        <p:nvSpPr>
+          <p:cNvPr id="21" name="圆角矩形 20"/>
           <p:cNvSpPr/>
           <p:nvPr/>
         </p:nvSpPr>
         <p:spPr>
           <a:xfrm>
-            <a:off x="785786" y="4929198"/>
-            <a:ext cx="1214446" cy="500066"/>
+            <a:off x="2594662" y="3215561"/>
+            <a:ext cx="1571636" cy="642942"/>
           </a:xfrm>
           <a:prstGeom prst="roundRect">
             <a:avLst/>
           </a:prstGeom>
         </p:spPr>
         <p:style>
-          <a:lnRef idx="2">
-            <a:schemeClr val="accent1">
-              <a:shade val="50000"/>
-            </a:schemeClr>
+          <a:lnRef idx="0">
+            <a:schemeClr val="accent6"/>
           </a:lnRef>
-          <a:fillRef idx="1">
-            <a:schemeClr val="accent1"/>
+          <a:fillRef idx="3">
+            <a:schemeClr val="accent6"/>
           </a:fillRef>
-          <a:effectRef idx="0">
-            <a:schemeClr val="accent1"/>
+          <a:effectRef idx="3">
+            <a:schemeClr val="accent6"/>
           </a:effectRef>
           <a:fontRef idx="minor">
             <a:schemeClr val="lt1"/>
@@ -4262,11 +4355,7 @@
             <a:pPr algn="ctr"/>
             <a:r>
               <a:rPr lang="zh-CN" altLang="en-US" dirty="0" smtClean="0"/>
-              <a:t>活动</a:t>
-            </a:r>
-            <a:r>
-              <a:rPr lang="en-US" altLang="zh-CN" dirty="0" smtClean="0"/>
-              <a:t>1</a:t>
+              <a:t>城市生态</a:t>
             </a:r>
             <a:endParaRPr lang="zh-CN" altLang="en-US" dirty="0"/>
           </a:p>
@@ -4274,30 +4363,28 @@
       </p:sp>
       <p:sp>
         <p:nvSpPr>
-          <p:cNvPr id="21" name="圆角矩形 20"/>
+          <p:cNvPr id="25" name="圆角矩形 24"/>
           <p:cNvSpPr/>
           <p:nvPr/>
         </p:nvSpPr>
         <p:spPr>
           <a:xfrm>
-            <a:off x="2357422" y="2571744"/>
-            <a:ext cx="1571636" cy="642942"/>
+            <a:off x="1090760" y="2575799"/>
+            <a:ext cx="1214446" cy="428628"/>
           </a:xfrm>
           <a:prstGeom prst="roundRect">
             <a:avLst/>
           </a:prstGeom>
         </p:spPr>
         <p:style>
-          <a:lnRef idx="2">
-            <a:schemeClr val="accent1">
-              <a:shade val="50000"/>
-            </a:schemeClr>
+          <a:lnRef idx="1">
+            <a:schemeClr val="accent3"/>
           </a:lnRef>
-          <a:fillRef idx="1">
-            <a:schemeClr val="accent1"/>
+          <a:fillRef idx="3">
+            <a:schemeClr val="accent3"/>
           </a:fillRef>
-          <a:effectRef idx="0">
-            <a:schemeClr val="accent1"/>
+          <a:effectRef idx="2">
+            <a:schemeClr val="accent3"/>
           </a:effectRef>
           <a:fontRef idx="minor">
             <a:schemeClr val="lt1"/>
@@ -4310,7 +4397,7 @@
             <a:pPr algn="ctr"/>
             <a:r>
               <a:rPr lang="zh-CN" altLang="en-US" dirty="0" smtClean="0"/>
-              <a:t>城市生态</a:t>
+              <a:t>经济系统</a:t>
             </a:r>
             <a:endParaRPr lang="zh-CN" altLang="en-US" dirty="0"/>
           </a:p>
@@ -4318,34 +4405,28 @@
       </p:sp>
       <p:sp>
         <p:nvSpPr>
-          <p:cNvPr id="13" name="圆角矩形 12"/>
+          <p:cNvPr id="26" name="圆角矩形 25"/>
           <p:cNvSpPr/>
           <p:nvPr/>
         </p:nvSpPr>
         <p:spPr>
           <a:xfrm>
-            <a:off x="4429124" y="1857364"/>
-            <a:ext cx="2214578" cy="2571768"/>
+            <a:off x="2810933" y="1057111"/>
+            <a:ext cx="1214446" cy="500066"/>
           </a:xfrm>
           <a:prstGeom prst="roundRect">
             <a:avLst/>
           </a:prstGeom>
-          <a:noFill/>
-          <a:ln>
-            <a:prstDash val="dash"/>
-          </a:ln>
         </p:spPr>
         <p:style>
-          <a:lnRef idx="2">
-            <a:schemeClr val="accent1">
-              <a:shade val="50000"/>
-            </a:schemeClr>
+          <a:lnRef idx="0">
+            <a:schemeClr val="accent6"/>
           </a:lnRef>
-          <a:fillRef idx="1">
-            <a:schemeClr val="accent1"/>
+          <a:fillRef idx="3">
+            <a:schemeClr val="accent6"/>
           </a:fillRef>
-          <a:effectRef idx="0">
-            <a:schemeClr val="accent1"/>
+          <a:effectRef idx="3">
+            <a:schemeClr val="accent6"/>
           </a:effectRef>
           <a:fontRef idx="minor">
             <a:schemeClr val="lt1"/>
@@ -4356,22 +4437,274 @@
           <a:lstStyle/>
           <a:p>
             <a:pPr algn="ctr"/>
-            <a:endParaRPr lang="zh-CN" altLang="en-US"/>
-          </a:p>
-        </p:txBody>
-      </p:sp>
-      <p:sp>
-        <p:nvSpPr>
-          <p:cNvPr id="14" name="上下箭头 13"/>
+            <a:r>
+              <a:rPr lang="zh-CN" altLang="en-US" dirty="0" smtClean="0">
+                <a:solidFill>
+                  <a:schemeClr val="lt1"/>
+                </a:solidFill>
+              </a:rPr>
+              <a:t>活动</a:t>
+            </a:r>
+            <a:r>
+              <a:rPr lang="en-US" altLang="zh-CN" dirty="0" smtClean="0">
+                <a:solidFill>
+                  <a:schemeClr val="lt1"/>
+                </a:solidFill>
+              </a:rPr>
+              <a:t>2</a:t>
+            </a:r>
+            <a:endParaRPr lang="zh-CN" altLang="en-US" dirty="0" smtClean="0">
+              <a:solidFill>
+                <a:schemeClr val="lt1"/>
+              </a:solidFill>
+            </a:endParaRPr>
+          </a:p>
+        </p:txBody>
+      </p:sp>
+      <p:sp>
+        <p:nvSpPr>
+          <p:cNvPr id="23" name="圆角矩形 22"/>
           <p:cNvSpPr/>
           <p:nvPr/>
         </p:nvSpPr>
         <p:spPr>
           <a:xfrm>
-            <a:off x="5500694" y="2928934"/>
-            <a:ext cx="142876" cy="357190"/>
-          </a:xfrm>
-          <a:prstGeom prst="upDownArrow">
+            <a:off x="2767701" y="2593973"/>
+            <a:ext cx="1214446" cy="428628"/>
+          </a:xfrm>
+          <a:prstGeom prst="roundRect">
+            <a:avLst/>
+          </a:prstGeom>
+        </p:spPr>
+        <p:style>
+          <a:lnRef idx="1">
+            <a:schemeClr val="accent3"/>
+          </a:lnRef>
+          <a:fillRef idx="3">
+            <a:schemeClr val="accent3"/>
+          </a:fillRef>
+          <a:effectRef idx="2">
+            <a:schemeClr val="accent3"/>
+          </a:effectRef>
+          <a:fontRef idx="minor">
+            <a:schemeClr val="lt1"/>
+          </a:fontRef>
+        </p:style>
+        <p:txBody>
+          <a:bodyPr rtlCol="0" anchor="ctr"/>
+          <a:lstStyle/>
+          <a:p>
+            <a:pPr algn="ctr"/>
+            <a:r>
+              <a:rPr lang="zh-CN" altLang="en-US" dirty="0" smtClean="0"/>
+              <a:t>城市事件</a:t>
+            </a:r>
+            <a:endParaRPr lang="zh-CN" altLang="en-US" dirty="0"/>
+          </a:p>
+        </p:txBody>
+      </p:sp>
+      <p:sp>
+        <p:nvSpPr>
+          <p:cNvPr id="52" name="圆角矩形 51"/>
+          <p:cNvSpPr/>
+          <p:nvPr/>
+        </p:nvSpPr>
+        <p:spPr>
+          <a:xfrm>
+            <a:off x="5414054" y="4182535"/>
+            <a:ext cx="569056" cy="366887"/>
+          </a:xfrm>
+          <a:prstGeom prst="roundRect">
+            <a:avLst/>
+          </a:prstGeom>
+        </p:spPr>
+        <p:style>
+          <a:lnRef idx="0">
+            <a:schemeClr val="accent4"/>
+          </a:lnRef>
+          <a:fillRef idx="3">
+            <a:schemeClr val="accent4"/>
+          </a:fillRef>
+          <a:effectRef idx="3">
+            <a:schemeClr val="accent4"/>
+          </a:effectRef>
+          <a:fontRef idx="minor">
+            <a:schemeClr val="lt1"/>
+          </a:fontRef>
+        </p:style>
+        <p:txBody>
+          <a:bodyPr rtlCol="0" anchor="ctr"/>
+          <a:lstStyle/>
+          <a:p>
+            <a:pPr algn="ctr"/>
+            <a:endParaRPr lang="zh-CN" altLang="en-US"/>
+          </a:p>
+        </p:txBody>
+      </p:sp>
+      <p:sp>
+        <p:nvSpPr>
+          <p:cNvPr id="53" name="圆角矩形 52"/>
+          <p:cNvSpPr/>
+          <p:nvPr/>
+        </p:nvSpPr>
+        <p:spPr>
+          <a:xfrm>
+            <a:off x="6242757" y="5249334"/>
+            <a:ext cx="349956" cy="406400"/>
+          </a:xfrm>
+          <a:prstGeom prst="roundRect">
+            <a:avLst/>
+          </a:prstGeom>
+        </p:spPr>
+        <p:style>
+          <a:lnRef idx="0">
+            <a:schemeClr val="accent4"/>
+          </a:lnRef>
+          <a:fillRef idx="3">
+            <a:schemeClr val="accent4"/>
+          </a:fillRef>
+          <a:effectRef idx="3">
+            <a:schemeClr val="accent4"/>
+          </a:effectRef>
+          <a:fontRef idx="minor">
+            <a:schemeClr val="lt1"/>
+          </a:fontRef>
+        </p:style>
+        <p:txBody>
+          <a:bodyPr rtlCol="0" anchor="ctr"/>
+          <a:lstStyle/>
+          <a:p>
+            <a:pPr algn="ctr"/>
+            <a:endParaRPr lang="zh-CN" altLang="en-US"/>
+          </a:p>
+        </p:txBody>
+      </p:sp>
+      <p:sp>
+        <p:nvSpPr>
+          <p:cNvPr id="54" name="圆角矩形 53"/>
+          <p:cNvSpPr/>
+          <p:nvPr/>
+        </p:nvSpPr>
+        <p:spPr>
+          <a:xfrm>
+            <a:off x="1619797" y="1715913"/>
+            <a:ext cx="349956" cy="406400"/>
+          </a:xfrm>
+          <a:prstGeom prst="roundRect">
+            <a:avLst/>
+          </a:prstGeom>
+        </p:spPr>
+        <p:style>
+          <a:lnRef idx="0">
+            <a:schemeClr val="accent4"/>
+          </a:lnRef>
+          <a:fillRef idx="3">
+            <a:schemeClr val="accent4"/>
+          </a:fillRef>
+          <a:effectRef idx="3">
+            <a:schemeClr val="accent4"/>
+          </a:effectRef>
+          <a:fontRef idx="minor">
+            <a:schemeClr val="lt1"/>
+          </a:fontRef>
+        </p:style>
+        <p:txBody>
+          <a:bodyPr rtlCol="0" anchor="ctr"/>
+          <a:lstStyle/>
+          <a:p>
+            <a:pPr algn="ctr"/>
+            <a:endParaRPr lang="zh-CN" altLang="en-US"/>
+          </a:p>
+        </p:txBody>
+      </p:sp>
+      <p:sp>
+        <p:nvSpPr>
+          <p:cNvPr id="56" name="圆角矩形 55"/>
+          <p:cNvSpPr/>
+          <p:nvPr/>
+        </p:nvSpPr>
+        <p:spPr>
+          <a:xfrm>
+            <a:off x="3222820" y="1715913"/>
+            <a:ext cx="349956" cy="406400"/>
+          </a:xfrm>
+          <a:prstGeom prst="roundRect">
+            <a:avLst/>
+          </a:prstGeom>
+        </p:spPr>
+        <p:style>
+          <a:lnRef idx="0">
+            <a:schemeClr val="accent4"/>
+          </a:lnRef>
+          <a:fillRef idx="3">
+            <a:schemeClr val="accent4"/>
+          </a:fillRef>
+          <a:effectRef idx="3">
+            <a:schemeClr val="accent4"/>
+          </a:effectRef>
+          <a:fontRef idx="minor">
+            <a:schemeClr val="lt1"/>
+          </a:fontRef>
+        </p:style>
+        <p:txBody>
+          <a:bodyPr rtlCol="0" anchor="ctr"/>
+          <a:lstStyle/>
+          <a:p>
+            <a:pPr algn="ctr"/>
+            <a:endParaRPr lang="zh-CN" altLang="en-US"/>
+          </a:p>
+        </p:txBody>
+      </p:sp>
+      <p:sp>
+        <p:nvSpPr>
+          <p:cNvPr id="57" name="圆角矩形 56"/>
+          <p:cNvSpPr/>
+          <p:nvPr/>
+        </p:nvSpPr>
+        <p:spPr>
+          <a:xfrm>
+            <a:off x="4583290" y="2822223"/>
+            <a:ext cx="349955" cy="530577"/>
+          </a:xfrm>
+          <a:prstGeom prst="roundRect">
+            <a:avLst/>
+          </a:prstGeom>
+        </p:spPr>
+        <p:style>
+          <a:lnRef idx="0">
+            <a:schemeClr val="accent4"/>
+          </a:lnRef>
+          <a:fillRef idx="3">
+            <a:schemeClr val="accent4"/>
+          </a:fillRef>
+          <a:effectRef idx="3">
+            <a:schemeClr val="accent4"/>
+          </a:effectRef>
+          <a:fontRef idx="minor">
+            <a:schemeClr val="lt1"/>
+          </a:fontRef>
+        </p:style>
+        <p:txBody>
+          <a:bodyPr rtlCol="0" anchor="ctr"/>
+          <a:lstStyle/>
+          <a:p>
+            <a:pPr algn="ctr"/>
+            <a:endParaRPr lang="zh-CN" altLang="en-US"/>
+          </a:p>
+        </p:txBody>
+      </p:sp>
+      <p:sp>
+        <p:nvSpPr>
+          <p:cNvPr id="59" name="左右箭头 58"/>
+          <p:cNvSpPr/>
+          <p:nvPr/>
+        </p:nvSpPr>
+        <p:spPr>
+          <a:xfrm>
+            <a:off x="3318934" y="5350933"/>
+            <a:ext cx="440266" cy="203200"/>
+          </a:xfrm>
+          <a:prstGeom prst="leftRightArrow">
             <a:avLst/>
           </a:prstGeom>
         </p:spPr>
@@ -4400,30 +4733,28 @@
       </p:sp>
       <p:sp>
         <p:nvSpPr>
-          <p:cNvPr id="16" name="缺角矩形 15"/>
+          <p:cNvPr id="60" name="圆角矩形 59"/>
           <p:cNvSpPr/>
           <p:nvPr/>
         </p:nvSpPr>
         <p:spPr>
           <a:xfrm>
-            <a:off x="714348" y="4286256"/>
-            <a:ext cx="785818" cy="357190"/>
-          </a:xfrm>
-          <a:prstGeom prst="plaque">
+            <a:off x="1710107" y="4301068"/>
+            <a:ext cx="626693" cy="395109"/>
+          </a:xfrm>
+          <a:prstGeom prst="roundRect">
             <a:avLst/>
           </a:prstGeom>
         </p:spPr>
         <p:style>
-          <a:lnRef idx="2">
-            <a:schemeClr val="accent6">
-              <a:shade val="50000"/>
-            </a:schemeClr>
+          <a:lnRef idx="0">
+            <a:schemeClr val="accent4"/>
           </a:lnRef>
-          <a:fillRef idx="1">
-            <a:schemeClr val="accent6"/>
+          <a:fillRef idx="3">
+            <a:schemeClr val="accent4"/>
           </a:fillRef>
-          <a:effectRef idx="0">
-            <a:schemeClr val="accent6"/>
+          <a:effectRef idx="3">
+            <a:schemeClr val="accent4"/>
           </a:effectRef>
           <a:fontRef idx="minor">
             <a:schemeClr val="lt1"/>
@@ -4438,337 +4769,18 @@
           </a:p>
         </p:txBody>
       </p:sp>
-      <p:sp>
-        <p:nvSpPr>
-          <p:cNvPr id="17" name="缺角矩形 16"/>
-          <p:cNvSpPr/>
-          <p:nvPr/>
-        </p:nvSpPr>
-        <p:spPr>
-          <a:xfrm>
-            <a:off x="1785918" y="4286256"/>
-            <a:ext cx="785818" cy="357190"/>
-          </a:xfrm>
-          <a:prstGeom prst="plaque">
-            <a:avLst/>
-          </a:prstGeom>
-        </p:spPr>
-        <p:style>
-          <a:lnRef idx="2">
-            <a:schemeClr val="accent6">
-              <a:shade val="50000"/>
-            </a:schemeClr>
-          </a:lnRef>
-          <a:fillRef idx="1">
-            <a:schemeClr val="accent6"/>
-          </a:fillRef>
-          <a:effectRef idx="0">
-            <a:schemeClr val="accent6"/>
-          </a:effectRef>
-          <a:fontRef idx="minor">
-            <a:schemeClr val="lt1"/>
-          </a:fontRef>
-        </p:style>
-        <p:txBody>
-          <a:bodyPr rtlCol="0" anchor="ctr"/>
-          <a:lstStyle/>
-          <a:p>
-            <a:pPr algn="ctr"/>
-            <a:endParaRPr lang="zh-CN" altLang="en-US"/>
-          </a:p>
-        </p:txBody>
-      </p:sp>
-      <p:sp>
-        <p:nvSpPr>
-          <p:cNvPr id="19" name="缺角矩形 18"/>
-          <p:cNvSpPr/>
-          <p:nvPr/>
-        </p:nvSpPr>
-        <p:spPr>
-          <a:xfrm>
-            <a:off x="2857488" y="4286256"/>
-            <a:ext cx="785818" cy="357190"/>
-          </a:xfrm>
-          <a:prstGeom prst="plaque">
-            <a:avLst/>
-          </a:prstGeom>
-        </p:spPr>
-        <p:style>
-          <a:lnRef idx="2">
-            <a:schemeClr val="accent6">
-              <a:shade val="50000"/>
-            </a:schemeClr>
-          </a:lnRef>
-          <a:fillRef idx="1">
-            <a:schemeClr val="accent6"/>
-          </a:fillRef>
-          <a:effectRef idx="0">
-            <a:schemeClr val="accent6"/>
-          </a:effectRef>
-          <a:fontRef idx="minor">
-            <a:schemeClr val="lt1"/>
-          </a:fontRef>
-        </p:style>
-        <p:txBody>
-          <a:bodyPr rtlCol="0" anchor="ctr"/>
-          <a:lstStyle/>
-          <a:p>
-            <a:pPr algn="ctr"/>
-            <a:endParaRPr lang="zh-CN" altLang="en-US"/>
-          </a:p>
-        </p:txBody>
-      </p:sp>
-      <p:sp>
-        <p:nvSpPr>
-          <p:cNvPr id="25" name="圆角矩形 24"/>
-          <p:cNvSpPr/>
-          <p:nvPr/>
-        </p:nvSpPr>
-        <p:spPr>
-          <a:xfrm>
-            <a:off x="785786" y="2214554"/>
-            <a:ext cx="1214446" cy="428628"/>
-          </a:xfrm>
-          <a:prstGeom prst="roundRect">
-            <a:avLst/>
-          </a:prstGeom>
-        </p:spPr>
-        <p:style>
-          <a:lnRef idx="2">
-            <a:schemeClr val="accent2">
-              <a:shade val="50000"/>
-            </a:schemeClr>
-          </a:lnRef>
-          <a:fillRef idx="1">
-            <a:schemeClr val="accent2"/>
-          </a:fillRef>
-          <a:effectRef idx="0">
-            <a:schemeClr val="accent2"/>
-          </a:effectRef>
-          <a:fontRef idx="minor">
-            <a:schemeClr val="lt1"/>
-          </a:fontRef>
-        </p:style>
-        <p:txBody>
-          <a:bodyPr rtlCol="0" anchor="ctr"/>
-          <a:lstStyle/>
-          <a:p>
-            <a:pPr algn="ctr"/>
-            <a:r>
-              <a:rPr lang="zh-CN" altLang="en-US" dirty="0" smtClean="0"/>
-              <a:t>经济系统</a:t>
-            </a:r>
-            <a:endParaRPr lang="zh-CN" altLang="en-US" dirty="0"/>
-          </a:p>
-        </p:txBody>
-      </p:sp>
-      <p:sp>
-        <p:nvSpPr>
-          <p:cNvPr id="26" name="圆角矩形 25"/>
-          <p:cNvSpPr/>
-          <p:nvPr/>
-        </p:nvSpPr>
-        <p:spPr>
-          <a:xfrm>
-            <a:off x="2285984" y="4929198"/>
-            <a:ext cx="1214446" cy="500066"/>
-          </a:xfrm>
-          <a:prstGeom prst="roundRect">
-            <a:avLst/>
-          </a:prstGeom>
-        </p:spPr>
-        <p:style>
-          <a:lnRef idx="2">
-            <a:schemeClr val="accent1">
-              <a:shade val="50000"/>
-            </a:schemeClr>
-          </a:lnRef>
-          <a:fillRef idx="1">
-            <a:schemeClr val="accent1"/>
-          </a:fillRef>
-          <a:effectRef idx="0">
-            <a:schemeClr val="accent1"/>
-          </a:effectRef>
-          <a:fontRef idx="minor">
-            <a:schemeClr val="lt1"/>
-          </a:fontRef>
-        </p:style>
-        <p:txBody>
-          <a:bodyPr rtlCol="0" anchor="ctr"/>
-          <a:lstStyle/>
-          <a:p>
-            <a:pPr algn="ctr"/>
-            <a:r>
-              <a:rPr lang="zh-CN" altLang="en-US" dirty="0" smtClean="0"/>
-              <a:t>活动</a:t>
-            </a:r>
-            <a:r>
-              <a:rPr lang="en-US" altLang="zh-CN" dirty="0" smtClean="0"/>
-              <a:t>2</a:t>
-            </a:r>
-            <a:endParaRPr lang="zh-CN" altLang="en-US" dirty="0"/>
-          </a:p>
-        </p:txBody>
-      </p:sp>
-      <p:sp>
-        <p:nvSpPr>
-          <p:cNvPr id="29" name="缺角矩形 28"/>
-          <p:cNvSpPr/>
-          <p:nvPr/>
-        </p:nvSpPr>
-        <p:spPr>
-          <a:xfrm>
-            <a:off x="6786578" y="3000372"/>
-            <a:ext cx="571504" cy="357190"/>
-          </a:xfrm>
-          <a:prstGeom prst="plaque">
-            <a:avLst/>
-          </a:prstGeom>
-        </p:spPr>
-        <p:style>
-          <a:lnRef idx="2">
-            <a:schemeClr val="accent6">
-              <a:shade val="50000"/>
-            </a:schemeClr>
-          </a:lnRef>
-          <a:fillRef idx="1">
-            <a:schemeClr val="accent6"/>
-          </a:fillRef>
-          <a:effectRef idx="0">
-            <a:schemeClr val="accent6"/>
-          </a:effectRef>
-          <a:fontRef idx="minor">
-            <a:schemeClr val="lt1"/>
-          </a:fontRef>
-        </p:style>
-        <p:txBody>
-          <a:bodyPr rtlCol="0" anchor="ctr"/>
-          <a:lstStyle/>
-          <a:p>
-            <a:pPr algn="ctr"/>
-            <a:endParaRPr lang="zh-CN" altLang="en-US"/>
-          </a:p>
-        </p:txBody>
-      </p:sp>
-      <p:sp>
-        <p:nvSpPr>
-          <p:cNvPr id="31" name="上下箭头 30"/>
-          <p:cNvSpPr/>
-          <p:nvPr/>
-        </p:nvSpPr>
-        <p:spPr>
-          <a:xfrm>
-            <a:off x="2071670" y="3857628"/>
-            <a:ext cx="142876" cy="357190"/>
-          </a:xfrm>
-          <a:prstGeom prst="upDownArrow">
-            <a:avLst/>
-          </a:prstGeom>
-        </p:spPr>
-        <p:style>
-          <a:lnRef idx="1">
-            <a:schemeClr val="accent2"/>
-          </a:lnRef>
-          <a:fillRef idx="3">
-            <a:schemeClr val="accent2"/>
-          </a:fillRef>
-          <a:effectRef idx="2">
-            <a:schemeClr val="accent2"/>
-          </a:effectRef>
-          <a:fontRef idx="minor">
-            <a:schemeClr val="lt1"/>
-          </a:fontRef>
-        </p:style>
-        <p:txBody>
-          <a:bodyPr rtlCol="0" anchor="ctr"/>
-          <a:lstStyle/>
-          <a:p>
-            <a:pPr algn="ctr"/>
-            <a:endParaRPr lang="zh-CN" altLang="en-US"/>
-          </a:p>
-        </p:txBody>
-      </p:sp>
-      <p:sp>
-        <p:nvSpPr>
-          <p:cNvPr id="32" name="下箭头 31"/>
-          <p:cNvSpPr/>
-          <p:nvPr/>
-        </p:nvSpPr>
-        <p:spPr>
-          <a:xfrm>
-            <a:off x="1000100" y="3929066"/>
-            <a:ext cx="142876" cy="285752"/>
-          </a:xfrm>
-          <a:prstGeom prst="downArrow">
-            <a:avLst/>
-          </a:prstGeom>
-        </p:spPr>
-        <p:style>
-          <a:lnRef idx="1">
-            <a:schemeClr val="accent2"/>
-          </a:lnRef>
-          <a:fillRef idx="3">
-            <a:schemeClr val="accent2"/>
-          </a:fillRef>
-          <a:effectRef idx="2">
-            <a:schemeClr val="accent2"/>
-          </a:effectRef>
-          <a:fontRef idx="minor">
-            <a:schemeClr val="lt1"/>
-          </a:fontRef>
-        </p:style>
-        <p:txBody>
-          <a:bodyPr rtlCol="0" anchor="ctr"/>
-          <a:lstStyle/>
-          <a:p>
-            <a:pPr algn="ctr"/>
-            <a:endParaRPr lang="zh-CN" altLang="en-US"/>
-          </a:p>
-        </p:txBody>
-      </p:sp>
-      <p:sp>
-        <p:nvSpPr>
-          <p:cNvPr id="33" name="上箭头 32"/>
-          <p:cNvSpPr/>
-          <p:nvPr/>
-        </p:nvSpPr>
-        <p:spPr>
-          <a:xfrm>
-            <a:off x="3143240" y="3929066"/>
-            <a:ext cx="142876" cy="285752"/>
-          </a:xfrm>
-          <a:prstGeom prst="upArrow">
-            <a:avLst/>
-          </a:prstGeom>
-        </p:spPr>
-        <p:style>
-          <a:lnRef idx="1">
-            <a:schemeClr val="accent2"/>
-          </a:lnRef>
-          <a:fillRef idx="3">
-            <a:schemeClr val="accent2"/>
-          </a:fillRef>
-          <a:effectRef idx="2">
-            <a:schemeClr val="accent2"/>
-          </a:effectRef>
-          <a:fontRef idx="minor">
-            <a:schemeClr val="lt1"/>
-          </a:fontRef>
-        </p:style>
-        <p:txBody>
-          <a:bodyPr rtlCol="0" anchor="ctr"/>
-          <a:lstStyle/>
-          <a:p>
-            <a:pPr algn="ctr"/>
-            <a:endParaRPr lang="zh-CN" altLang="en-US"/>
-          </a:p>
-        </p:txBody>
-      </p:sp>
     </p:spTree>
   </p:cSld>
   <p:clrMapOvr>
     <a:masterClrMapping/>
   </p:clrMapOvr>
+  <p:timing>
+    <p:tnLst>
+      <p:par>
+        <p:cTn id="1" dur="indefinite" restart="never" nodeType="tmRoot"/>
+      </p:par>
+    </p:tnLst>
+  </p:timing>
 </p:sld>
 </file>
 
